--- a/Angular summary/模板语法.pptx
+++ b/Angular summary/模板语法.pptx
@@ -110,6 +110,11 @@
       </a:defRPr>
     </a:lvl9pPr>
   </p:defaultTextStyle>
+  <p:extLst>
+    <p:ext uri="{EFAFB233-063F-42B5-8137-9DF3F51BA10A}">
+      <p15:sldGuideLst xmlns:p15="http://schemas.microsoft.com/office/powerpoint/2012/main"/>
+    </p:ext>
+  </p:extLst>
 </p:presentation>
 </file>
 
@@ -3658,6 +3663,479 @@
           </a:p>
         </p:txBody>
       </p:sp>
+      <p:sp>
+        <p:nvSpPr>
+          <p:cNvPr id="5" name="矩形 4"/>
+          <p:cNvSpPr/>
+          <p:nvPr/>
+        </p:nvSpPr>
+        <p:spPr>
+          <a:xfrm>
+            <a:off x="573412" y="3522322"/>
+            <a:ext cx="1114408" cy="369332"/>
+          </a:xfrm>
+          <a:prstGeom prst="rect">
+            <a:avLst/>
+          </a:prstGeom>
+        </p:spPr>
+        <p:txBody>
+          <a:bodyPr wrap="none">
+            <a:spAutoFit/>
+          </a:bodyPr>
+          <a:lstStyle/>
+          <a:p>
+            <a:r>
+              <a:rPr lang="zh-CN" altLang="en-US" b="1" dirty="0">
+                <a:solidFill>
+                  <a:srgbClr val="546E7A"/>
+                </a:solidFill>
+                <a:latin typeface="Helvetica Neue"/>
+              </a:rPr>
+              <a:t>内置指令</a:t>
+            </a:r>
+            <a:endParaRPr lang="zh-CN" altLang="en-US" b="1" i="0" dirty="0">
+              <a:solidFill>
+                <a:srgbClr val="546E7A"/>
+              </a:solidFill>
+              <a:effectLst/>
+              <a:latin typeface="Helvetica Neue"/>
+            </a:endParaRPr>
+          </a:p>
+        </p:txBody>
+      </p:sp>
+      <p:sp>
+        <p:nvSpPr>
+          <p:cNvPr id="6" name="矩形 5"/>
+          <p:cNvSpPr/>
+          <p:nvPr/>
+        </p:nvSpPr>
+        <p:spPr>
+          <a:xfrm>
+            <a:off x="1920256" y="3522322"/>
+            <a:ext cx="9994240" cy="369332"/>
+          </a:xfrm>
+          <a:prstGeom prst="rect">
+            <a:avLst/>
+          </a:prstGeom>
+        </p:spPr>
+        <p:txBody>
+          <a:bodyPr wrap="square">
+            <a:spAutoFit/>
+          </a:bodyPr>
+          <a:lstStyle/>
+          <a:p>
+            <a:r>
+              <a:rPr lang="en-US" altLang="zh-CN" b="1" dirty="0">
+                <a:solidFill>
+                  <a:srgbClr val="546E7A"/>
+                </a:solidFill>
+                <a:latin typeface="Helvetica Neue"/>
+              </a:rPr>
+              <a:t>Built-in </a:t>
+            </a:r>
+            <a:r>
+              <a:rPr lang="en-US" altLang="zh-CN" b="1" dirty="0" smtClean="0">
+                <a:solidFill>
+                  <a:srgbClr val="546E7A"/>
+                </a:solidFill>
+                <a:latin typeface="Helvetica Neue"/>
+              </a:rPr>
+              <a:t>directives </a:t>
+            </a:r>
+            <a:r>
+              <a:rPr lang="zh-CN" altLang="en-US" b="1" dirty="0" smtClean="0">
+                <a:solidFill>
+                  <a:srgbClr val="546E7A"/>
+                </a:solidFill>
+                <a:latin typeface="Helvetica Neue"/>
+              </a:rPr>
+              <a:t>（</a:t>
+            </a:r>
+            <a:r>
+              <a:rPr lang="zh-CN" altLang="en-US" b="1" dirty="0">
+                <a:solidFill>
+                  <a:srgbClr val="1976D2"/>
+                </a:solidFill>
+                <a:latin typeface="Helvetica Neue"/>
+                <a:hlinkClick r:id="rId2"/>
+              </a:rPr>
+              <a:t>属性型</a:t>
+            </a:r>
+            <a:r>
+              <a:rPr lang="zh-CN" altLang="en-US" dirty="0">
+                <a:solidFill>
+                  <a:srgbClr val="1976D2"/>
+                </a:solidFill>
+                <a:latin typeface="Helvetica Neue"/>
+                <a:hlinkClick r:id="rId2"/>
+              </a:rPr>
+              <a:t>指令</a:t>
+            </a:r>
+            <a:r>
+              <a:rPr lang="zh-CN" altLang="en-US" dirty="0">
+                <a:solidFill>
+                  <a:srgbClr val="546E7A"/>
+                </a:solidFill>
+                <a:latin typeface="Helvetica Neue"/>
+              </a:rPr>
+              <a:t> 或 </a:t>
+            </a:r>
+            <a:r>
+              <a:rPr lang="zh-CN" altLang="en-US" b="1" u="sng" dirty="0">
+                <a:solidFill>
+                  <a:srgbClr val="1E88E5"/>
+                </a:solidFill>
+                <a:latin typeface="Helvetica Neue"/>
+                <a:hlinkClick r:id="rId3"/>
+              </a:rPr>
+              <a:t>结构型</a:t>
+            </a:r>
+            <a:r>
+              <a:rPr lang="zh-CN" altLang="en-US" u="sng" dirty="0" smtClean="0">
+                <a:solidFill>
+                  <a:srgbClr val="1E88E5"/>
+                </a:solidFill>
+                <a:latin typeface="Helvetica Neue"/>
+                <a:hlinkClick r:id="rId3"/>
+              </a:rPr>
+              <a:t>指令</a:t>
+            </a:r>
+            <a:r>
+              <a:rPr lang="zh-CN" altLang="en-US" b="1" dirty="0" smtClean="0">
+                <a:solidFill>
+                  <a:srgbClr val="546E7A"/>
+                </a:solidFill>
+                <a:latin typeface="Helvetica Neue"/>
+              </a:rPr>
+              <a:t>）</a:t>
+            </a:r>
+            <a:endParaRPr lang="en-US" altLang="zh-CN" b="1" i="0" dirty="0">
+              <a:solidFill>
+                <a:srgbClr val="546E7A"/>
+              </a:solidFill>
+              <a:effectLst/>
+              <a:latin typeface="Helvetica Neue"/>
+            </a:endParaRPr>
+          </a:p>
+        </p:txBody>
+      </p:sp>
+      <p:sp>
+        <p:nvSpPr>
+          <p:cNvPr id="9" name="矩形 8"/>
+          <p:cNvSpPr/>
+          <p:nvPr/>
+        </p:nvSpPr>
+        <p:spPr>
+          <a:xfrm>
+            <a:off x="616018" y="4045542"/>
+            <a:ext cx="2670924" cy="369332"/>
+          </a:xfrm>
+          <a:prstGeom prst="rect">
+            <a:avLst/>
+          </a:prstGeom>
+        </p:spPr>
+        <p:txBody>
+          <a:bodyPr wrap="none">
+            <a:spAutoFit/>
+          </a:bodyPr>
+          <a:lstStyle/>
+          <a:p>
+            <a:r>
+              <a:rPr lang="zh-CN" altLang="en-US" b="1" dirty="0">
+                <a:solidFill>
+                  <a:srgbClr val="546E7A"/>
+                </a:solidFill>
+                <a:latin typeface="Helvetica Neue"/>
+              </a:rPr>
+              <a:t>模板引用变量 </a:t>
+            </a:r>
+            <a:r>
+              <a:rPr lang="en-US" altLang="zh-CN" b="1" dirty="0">
+                <a:solidFill>
+                  <a:srgbClr val="546E7A"/>
+                </a:solidFill>
+                <a:latin typeface="Helvetica Neue"/>
+              </a:rPr>
+              <a:t>( </a:t>
+            </a:r>
+            <a:r>
+              <a:rPr lang="en-US" altLang="zh-CN" b="1" dirty="0">
+                <a:solidFill>
+                  <a:srgbClr val="000000"/>
+                </a:solidFill>
+                <a:latin typeface="Consolas" panose="020B0609020204030204" pitchFamily="49" charset="0"/>
+              </a:rPr>
+              <a:t>#</a:t>
+            </a:r>
+            <a:r>
+              <a:rPr lang="en-US" altLang="zh-CN" b="1" dirty="0" err="1">
+                <a:solidFill>
+                  <a:srgbClr val="000000"/>
+                </a:solidFill>
+                <a:latin typeface="Consolas" panose="020B0609020204030204" pitchFamily="49" charset="0"/>
+              </a:rPr>
+              <a:t>var</a:t>
+            </a:r>
+            <a:r>
+              <a:rPr lang="en-US" altLang="zh-CN" b="1" dirty="0">
+                <a:solidFill>
+                  <a:srgbClr val="546E7A"/>
+                </a:solidFill>
+                <a:latin typeface="Helvetica Neue"/>
+              </a:rPr>
+              <a:t> )</a:t>
+            </a:r>
+            <a:endParaRPr lang="en-US" altLang="zh-CN" b="1" i="0" dirty="0">
+              <a:solidFill>
+                <a:srgbClr val="546E7A"/>
+              </a:solidFill>
+              <a:effectLst/>
+              <a:latin typeface="Helvetica Neue"/>
+            </a:endParaRPr>
+          </a:p>
+        </p:txBody>
+      </p:sp>
+      <p:sp>
+        <p:nvSpPr>
+          <p:cNvPr id="14" name="矩形 13"/>
+          <p:cNvSpPr/>
+          <p:nvPr/>
+        </p:nvSpPr>
+        <p:spPr>
+          <a:xfrm>
+            <a:off x="644252" y="4599539"/>
+            <a:ext cx="4277133" cy="369332"/>
+          </a:xfrm>
+          <a:prstGeom prst="rect">
+            <a:avLst/>
+          </a:prstGeom>
+        </p:spPr>
+        <p:txBody>
+          <a:bodyPr wrap="none">
+            <a:spAutoFit/>
+          </a:bodyPr>
+          <a:lstStyle/>
+          <a:p>
+            <a:r>
+              <a:rPr lang="zh-CN" altLang="en-US" b="1" dirty="0">
+                <a:solidFill>
+                  <a:srgbClr val="546E7A"/>
+                </a:solidFill>
+                <a:latin typeface="Helvetica Neue"/>
+              </a:rPr>
+              <a:t>输入输出属性 </a:t>
+            </a:r>
+            <a:r>
+              <a:rPr lang="en-US" altLang="zh-CN" b="1" dirty="0">
+                <a:solidFill>
+                  <a:srgbClr val="546E7A"/>
+                </a:solidFill>
+                <a:latin typeface="Helvetica Neue"/>
+              </a:rPr>
+              <a:t>( </a:t>
+            </a:r>
+            <a:r>
+              <a:rPr lang="en-US" altLang="zh-CN" b="1" dirty="0">
+                <a:solidFill>
+                  <a:srgbClr val="000000"/>
+                </a:solidFill>
+                <a:latin typeface="Consolas" panose="020B0609020204030204" pitchFamily="49" charset="0"/>
+              </a:rPr>
+              <a:t>@Input</a:t>
+            </a:r>
+            <a:r>
+              <a:rPr lang="zh-CN" altLang="en-US" b="1" dirty="0">
+                <a:solidFill>
+                  <a:srgbClr val="546E7A"/>
+                </a:solidFill>
+                <a:latin typeface="Helvetica Neue"/>
+              </a:rPr>
+              <a:t> 和 </a:t>
+            </a:r>
+            <a:r>
+              <a:rPr lang="en-US" altLang="zh-CN" b="1" dirty="0">
+                <a:solidFill>
+                  <a:srgbClr val="000000"/>
+                </a:solidFill>
+                <a:latin typeface="Consolas" panose="020B0609020204030204" pitchFamily="49" charset="0"/>
+              </a:rPr>
+              <a:t>@Output</a:t>
+            </a:r>
+            <a:r>
+              <a:rPr lang="zh-CN" altLang="en-US" b="1" dirty="0">
+                <a:solidFill>
+                  <a:srgbClr val="546E7A"/>
+                </a:solidFill>
+                <a:latin typeface="Helvetica Neue"/>
+              </a:rPr>
+              <a:t> </a:t>
+            </a:r>
+            <a:r>
+              <a:rPr lang="en-US" altLang="zh-CN" b="1" dirty="0">
+                <a:solidFill>
+                  <a:srgbClr val="546E7A"/>
+                </a:solidFill>
+                <a:latin typeface="Helvetica Neue"/>
+              </a:rPr>
+              <a:t>)</a:t>
+            </a:r>
+            <a:endParaRPr lang="en-US" altLang="zh-CN" b="1" i="0" dirty="0">
+              <a:solidFill>
+                <a:srgbClr val="546E7A"/>
+              </a:solidFill>
+              <a:effectLst/>
+              <a:latin typeface="Helvetica Neue"/>
+            </a:endParaRPr>
+          </a:p>
+        </p:txBody>
+      </p:sp>
+      <p:sp>
+        <p:nvSpPr>
+          <p:cNvPr id="15" name="矩形 14"/>
+          <p:cNvSpPr/>
+          <p:nvPr/>
+        </p:nvSpPr>
+        <p:spPr>
+          <a:xfrm>
+            <a:off x="665745" y="5122759"/>
+            <a:ext cx="2044149" cy="369332"/>
+          </a:xfrm>
+          <a:prstGeom prst="rect">
+            <a:avLst/>
+          </a:prstGeom>
+        </p:spPr>
+        <p:txBody>
+          <a:bodyPr wrap="none">
+            <a:spAutoFit/>
+          </a:bodyPr>
+          <a:lstStyle/>
+          <a:p>
+            <a:r>
+              <a:rPr lang="zh-CN" altLang="en-US" b="1" dirty="0">
+                <a:solidFill>
+                  <a:srgbClr val="546E7A"/>
+                </a:solidFill>
+                <a:latin typeface="Helvetica Neue"/>
+              </a:rPr>
+              <a:t>模板表达式操作符</a:t>
+            </a:r>
+            <a:endParaRPr lang="zh-CN" altLang="en-US" b="1" i="0" dirty="0">
+              <a:solidFill>
+                <a:srgbClr val="546E7A"/>
+              </a:solidFill>
+              <a:effectLst/>
+              <a:latin typeface="Helvetica Neue"/>
+            </a:endParaRPr>
+          </a:p>
+        </p:txBody>
+      </p:sp>
+      <p:sp>
+        <p:nvSpPr>
+          <p:cNvPr id="17" name="矩形 16"/>
+          <p:cNvSpPr/>
+          <p:nvPr/>
+        </p:nvSpPr>
+        <p:spPr>
+          <a:xfrm>
+            <a:off x="1075313" y="5621025"/>
+            <a:ext cx="2048959" cy="369332"/>
+          </a:xfrm>
+          <a:prstGeom prst="rect">
+            <a:avLst/>
+          </a:prstGeom>
+        </p:spPr>
+        <p:txBody>
+          <a:bodyPr wrap="none">
+            <a:spAutoFit/>
+          </a:bodyPr>
+          <a:lstStyle/>
+          <a:p>
+            <a:r>
+              <a:rPr lang="zh-CN" altLang="en-US" b="1" smtClean="0">
+                <a:solidFill>
+                  <a:srgbClr val="546E7A"/>
+                </a:solidFill>
+                <a:latin typeface="Helvetica Neue"/>
+              </a:rPr>
+              <a:t>管道操作符 </a:t>
+            </a:r>
+            <a:r>
+              <a:rPr lang="en-US" altLang="zh-CN" b="1" smtClean="0">
+                <a:solidFill>
+                  <a:srgbClr val="546E7A"/>
+                </a:solidFill>
+                <a:latin typeface="Helvetica Neue"/>
+              </a:rPr>
+              <a:t>( | )</a:t>
+            </a:r>
+            <a:endParaRPr lang="en-US" altLang="zh-CN" b="1" i="0" dirty="0">
+              <a:solidFill>
+                <a:srgbClr val="546E7A"/>
+              </a:solidFill>
+              <a:effectLst/>
+              <a:latin typeface="Helvetica Neue"/>
+            </a:endParaRPr>
+          </a:p>
+        </p:txBody>
+      </p:sp>
+      <p:sp>
+        <p:nvSpPr>
+          <p:cNvPr id="18" name="矩形 17"/>
+          <p:cNvSpPr/>
+          <p:nvPr/>
+        </p:nvSpPr>
+        <p:spPr>
+          <a:xfrm>
+            <a:off x="1053031" y="6144245"/>
+            <a:ext cx="4142481" cy="369332"/>
+          </a:xfrm>
+          <a:prstGeom prst="rect">
+            <a:avLst/>
+          </a:prstGeom>
+        </p:spPr>
+        <p:txBody>
+          <a:bodyPr wrap="none">
+            <a:spAutoFit/>
+          </a:bodyPr>
+          <a:lstStyle/>
+          <a:p>
+            <a:r>
+              <a:rPr lang="zh-CN" altLang="en-US" b="1" dirty="0">
+                <a:solidFill>
+                  <a:srgbClr val="546E7A"/>
+                </a:solidFill>
+                <a:latin typeface="Helvetica Neue"/>
+              </a:rPr>
+              <a:t>安全导航操作符 </a:t>
+            </a:r>
+            <a:r>
+              <a:rPr lang="en-US" altLang="zh-CN" b="1" dirty="0">
+                <a:solidFill>
+                  <a:srgbClr val="546E7A"/>
+                </a:solidFill>
+                <a:latin typeface="Helvetica Neue"/>
+              </a:rPr>
+              <a:t>( ?. ) </a:t>
+            </a:r>
+            <a:r>
+              <a:rPr lang="zh-CN" altLang="en-US" b="1" dirty="0">
+                <a:solidFill>
+                  <a:srgbClr val="546E7A"/>
+                </a:solidFill>
+                <a:latin typeface="Helvetica Neue"/>
+              </a:rPr>
+              <a:t>和空属性路径</a:t>
+            </a:r>
+            <a:endParaRPr lang="zh-CN" altLang="en-US" b="1" i="0" dirty="0">
+              <a:solidFill>
+                <a:srgbClr val="546E7A"/>
+              </a:solidFill>
+              <a:effectLst/>
+              <a:latin typeface="Helvetica Neue"/>
+            </a:endParaRPr>
+          </a:p>
+        </p:txBody>
+      </p:sp>
     </p:spTree>
     <p:extLst>
       <p:ext uri="{BB962C8B-B14F-4D97-AF65-F5344CB8AC3E}">
@@ -4192,6 +4670,20 @@
               <a:tabLst/>
             </a:pPr>
             <a:r>
+              <a:rPr kumimoji="0" lang="en-US" altLang="zh-CN" sz="2000" b="0" i="0" u="none" strike="noStrike" cap="none" normalizeH="0" baseline="0" dirty="0" smtClean="0">
+                <a:ln>
+                  <a:noFill/>
+                </a:ln>
+                <a:solidFill>
+                  <a:srgbClr val="D81B60"/>
+                </a:solidFill>
+                <a:effectLst/>
+                <a:latin typeface="Arial Unicode MS" panose="020B0604020202020204" pitchFamily="34" charset="-122"/>
+                <a:ea typeface="Monaco"/>
+              </a:rPr>
+              <a:t> </a:t>
+            </a:r>
+            <a:r>
               <a:rPr kumimoji="0" lang="zh-CN" altLang="zh-CN" sz="2000" b="0" i="0" u="none" strike="noStrike" cap="none" normalizeH="0" baseline="0" dirty="0" smtClean="0">
                 <a:ln>
                   <a:noFill/>
@@ -4203,7 +4695,21 @@
                 <a:latin typeface="Arial Unicode MS" panose="020B0604020202020204" pitchFamily="34" charset="-122"/>
                 <a:ea typeface="Monaco"/>
               </a:rPr>
-              <a:t>&lt;div</a:t>
+              <a:t>&lt;</a:t>
+            </a:r>
+            <a:r>
+              <a:rPr kumimoji="0" lang="zh-CN" altLang="zh-CN" sz="2000" b="0" i="0" u="none" strike="noStrike" cap="none" normalizeH="0" baseline="0" dirty="0" smtClean="0">
+                <a:ln>
+                  <a:noFill/>
+                </a:ln>
+                <a:solidFill>
+                  <a:srgbClr val="D81B60"/>
+                </a:solidFill>
+                <a:effectLst/>
+                <a:latin typeface="Arial Unicode MS" panose="020B0604020202020204" pitchFamily="34" charset="-122"/>
+                <a:ea typeface="Monaco"/>
+              </a:rPr>
+              <a:t>div</a:t>
             </a:r>
             <a:r>
               <a:rPr kumimoji="0" lang="zh-CN" altLang="zh-CN" sz="2000" b="0" i="0" u="none" strike="noStrike" cap="none" normalizeH="0" baseline="0" dirty="0" smtClean="0">
